--- a/doc/答辩PPT.pptx
+++ b/doc/答辩PPT.pptx
@@ -19339,11 +19339,11 @@
             </a:r>
             <a:r>
               <a:rPr kumimoji="1" lang="zh-CN" altLang="en-US" dirty="0"/>
-              <a:t> 制作</a:t>
+              <a:t> </a:t>
             </a:r>
             <a:r>
               <a:rPr kumimoji="1" lang="zh-CN" altLang="en-US" dirty="0" smtClean="0"/>
-              <a:t>过程</a:t>
+              <a:t>关键技术</a:t>
             </a:r>
             <a:endParaRPr kumimoji="1" lang="zh-CN" altLang="en-US" dirty="0"/>
           </a:p>
@@ -19944,19 +19944,7 @@
                 </a:solidFill>
                 <a:latin typeface="+mn-ea"/>
               </a:rPr>
-              <a:t>框架</a:t>
-            </a:r>
-            <a:r>
-              <a:rPr lang="zh-CN" altLang="en-US" sz="1200" dirty="0" smtClean="0">
-                <a:solidFill>
-                  <a:schemeClr val="tx1">
-                    <a:lumMod val="75000"/>
-                    <a:lumOff val="25000"/>
-                  </a:schemeClr>
-                </a:solidFill>
-                <a:latin typeface="+mn-ea"/>
-              </a:rPr>
-              <a:t>采用</a:t>
+              <a:t>框架采用</a:t>
             </a:r>
             <a:r>
               <a:rPr lang="en-US" altLang="zh-CN" sz="1200" dirty="0" smtClean="0">
@@ -20605,17 +20593,7 @@
                   </a:schemeClr>
                 </a:solidFill>
               </a:rPr>
-              <a:t> </a:t>
-            </a:r>
-            <a:r>
-              <a:rPr lang="zh-CN" altLang="en-US" sz="2000" b="1" dirty="0" smtClean="0">
-                <a:solidFill>
-                  <a:schemeClr val="accent3">
-                    <a:lumMod val="75000"/>
-                  </a:schemeClr>
-                </a:solidFill>
-              </a:rPr>
-              <a:t>全家桶</a:t>
+              <a:t> 全家桶</a:t>
             </a:r>
             <a:endParaRPr lang="en-US" altLang="zh-CN" sz="2000" b="1" dirty="0">
               <a:solidFill>
@@ -26727,11 +26705,7 @@
             </a:r>
             <a:r>
               <a:rPr kumimoji="1" lang="zh-CN" altLang="en-US" dirty="0" smtClean="0"/>
-              <a:t> </a:t>
-            </a:r>
-            <a:r>
-              <a:rPr kumimoji="1" lang="zh-CN" altLang="en-US" dirty="0" smtClean="0"/>
-              <a:t>产品特色</a:t>
+              <a:t> 产品特色</a:t>
             </a:r>
             <a:endParaRPr kumimoji="1" lang="zh-CN" altLang="en-US" dirty="0"/>
           </a:p>
@@ -34992,7 +34966,7 @@
         <p:spPr>
           <a:xfrm>
             <a:off x="8915040" y="2262409"/>
-            <a:ext cx="2517668" cy="332399"/>
+            <a:ext cx="2517668" cy="812530"/>
           </a:xfrm>
           <a:prstGeom prst="rect">
             <a:avLst/>
@@ -35114,7 +35088,31 @@
                 </a:solidFill>
                 <a:latin typeface="+mn-ea"/>
               </a:rPr>
-              <a:t>对笔记本拥有管理权限</a:t>
+              <a:t>对笔记本拥有管理</a:t>
+            </a:r>
+            <a:r>
+              <a:rPr lang="zh-CN" altLang="en-US" sz="1200" dirty="0" smtClean="0">
+                <a:solidFill>
+                  <a:schemeClr val="tx1">
+                    <a:lumMod val="75000"/>
+                    <a:lumOff val="25000"/>
+                  </a:schemeClr>
+                </a:solidFill>
+                <a:latin typeface="+mn-ea"/>
+              </a:rPr>
+              <a:t>权限：</a:t>
+            </a:r>
+            <a:r>
+              <a:rPr lang="zh-CN" altLang="en-US" sz="1200" dirty="0" smtClean="0">
+                <a:solidFill>
+                  <a:schemeClr val="tx1">
+                    <a:lumMod val="75000"/>
+                    <a:lumOff val="25000"/>
+                  </a:schemeClr>
+                </a:solidFill>
+                <a:latin typeface="+mn-ea"/>
+              </a:rPr>
+              <a:t>对笔记内容进行编辑、版本控制、邀请工作组成员</a:t>
             </a:r>
             <a:endParaRPr lang="zh-CN" altLang="en-US" sz="1200" dirty="0">
               <a:solidFill>
@@ -35750,7 +35748,31 @@
                 </a:solidFill>
                 <a:latin typeface="+mn-ea"/>
               </a:rPr>
-              <a:t>对后台数据进行管理、对被举报的内容进行审核</a:t>
+              <a:t>对后台数据进行管理、对被举报的内容进行</a:t>
+            </a:r>
+            <a:r>
+              <a:rPr lang="zh-CN" altLang="en-US" sz="1200" dirty="0" smtClean="0">
+                <a:solidFill>
+                  <a:schemeClr val="tx1">
+                    <a:lumMod val="75000"/>
+                    <a:lumOff val="25000"/>
+                  </a:schemeClr>
+                </a:solidFill>
+                <a:latin typeface="+mn-ea"/>
+              </a:rPr>
+              <a:t>审核</a:t>
+            </a:r>
+            <a:r>
+              <a:rPr lang="zh-CN" altLang="en-US" sz="1200" dirty="0" smtClean="0">
+                <a:solidFill>
+                  <a:schemeClr val="tx1">
+                    <a:lumMod val="75000"/>
+                    <a:lumOff val="25000"/>
+                  </a:schemeClr>
+                </a:solidFill>
+                <a:latin typeface="+mn-ea"/>
+              </a:rPr>
+              <a:t>等</a:t>
             </a:r>
             <a:endParaRPr lang="zh-CN" altLang="en-US" sz="1200" dirty="0">
               <a:solidFill>

--- a/doc/答辩PPT.pptx
+++ b/doc/答辩PPT.pptx
@@ -5,6 +5,9 @@
     <p:sldMasterId id="2147483666" r:id="rId1"/>
     <p:sldMasterId id="2147483679" r:id="rId2"/>
   </p:sldMasterIdLst>
+  <p:notesMasterIdLst>
+    <p:notesMasterId r:id="rId18"/>
+  </p:notesMasterIdLst>
   <p:sldIdLst>
     <p:sldId id="256" r:id="rId3"/>
     <p:sldId id="258" r:id="rId4"/>
@@ -125,6 +128,904 @@
     </p:ext>
   </p:extLst>
 </p:presentation>
+</file>
+
+<file path=ppt/notesMasters/notesMaster1.xml><?xml version="1.0" encoding="utf-8"?>
+<p:notesMaster xmlns:a="http://schemas.openxmlformats.org/drawingml/2006/main" xmlns:r="http://schemas.openxmlformats.org/officeDocument/2006/relationships" xmlns:p="http://schemas.openxmlformats.org/presentationml/2006/main">
+  <p:cSld>
+    <p:bg>
+      <p:bgRef idx="1001">
+        <a:schemeClr val="bg1"/>
+      </p:bgRef>
+    </p:bg>
+    <p:spTree>
+      <p:nvGrpSpPr>
+        <p:cNvPr id="1" name=""/>
+        <p:cNvGrpSpPr/>
+        <p:nvPr/>
+      </p:nvGrpSpPr>
+      <p:grpSpPr>
+        <a:xfrm>
+          <a:off x="0" y="0"/>
+          <a:ext cx="0" cy="0"/>
+          <a:chOff x="0" y="0"/>
+          <a:chExt cx="0" cy="0"/>
+        </a:xfrm>
+      </p:grpSpPr>
+      <p:sp>
+        <p:nvSpPr>
+          <p:cNvPr id="2" name="页眉占位符 1"/>
+          <p:cNvSpPr>
+            <a:spLocks noGrp="1"/>
+          </p:cNvSpPr>
+          <p:nvPr>
+            <p:ph type="hdr" sz="quarter"/>
+          </p:nvPr>
+        </p:nvSpPr>
+        <p:spPr>
+          <a:xfrm>
+            <a:off x="0" y="0"/>
+            <a:ext cx="2971800" cy="458788"/>
+          </a:xfrm>
+          <a:prstGeom prst="rect">
+            <a:avLst/>
+          </a:prstGeom>
+        </p:spPr>
+        <p:txBody>
+          <a:bodyPr vert="horz" lIns="91440" tIns="45720" rIns="91440" bIns="45720" rtlCol="0"/>
+          <a:lstStyle>
+            <a:lvl1pPr algn="l">
+              <a:defRPr sz="1200"/>
+            </a:lvl1pPr>
+          </a:lstStyle>
+          <a:p>
+            <a:endParaRPr kumimoji="1" lang="zh-CN" altLang="en-US"/>
+          </a:p>
+        </p:txBody>
+      </p:sp>
+      <p:sp>
+        <p:nvSpPr>
+          <p:cNvPr id="3" name="日期占位符 2"/>
+          <p:cNvSpPr>
+            <a:spLocks noGrp="1"/>
+          </p:cNvSpPr>
+          <p:nvPr>
+            <p:ph type="dt" idx="1"/>
+          </p:nvPr>
+        </p:nvSpPr>
+        <p:spPr>
+          <a:xfrm>
+            <a:off x="3884613" y="0"/>
+            <a:ext cx="2971800" cy="458788"/>
+          </a:xfrm>
+          <a:prstGeom prst="rect">
+            <a:avLst/>
+          </a:prstGeom>
+        </p:spPr>
+        <p:txBody>
+          <a:bodyPr vert="horz" lIns="91440" tIns="45720" rIns="91440" bIns="45720" rtlCol="0"/>
+          <a:lstStyle>
+            <a:lvl1pPr algn="r">
+              <a:defRPr sz="1200"/>
+            </a:lvl1pPr>
+          </a:lstStyle>
+          <a:p>
+            <a:fld id="{17618148-776D-C341-9992-D511D9602234}" type="datetimeFigureOut">
+              <a:rPr kumimoji="1" lang="zh-CN" altLang="en-US" smtClean="0"/>
+              <a:t>2017/9/13</a:t>
+            </a:fld>
+            <a:endParaRPr kumimoji="1" lang="zh-CN" altLang="en-US"/>
+          </a:p>
+        </p:txBody>
+      </p:sp>
+      <p:sp>
+        <p:nvSpPr>
+          <p:cNvPr id="4" name="幻灯片图像占位符 3"/>
+          <p:cNvSpPr>
+            <a:spLocks noGrp="1" noRot="1" noChangeAspect="1"/>
+          </p:cNvSpPr>
+          <p:nvPr>
+            <p:ph type="sldImg" idx="2"/>
+          </p:nvPr>
+        </p:nvSpPr>
+        <p:spPr>
+          <a:xfrm>
+            <a:off x="685800" y="1143000"/>
+            <a:ext cx="5486400" cy="3086100"/>
+          </a:xfrm>
+          <a:prstGeom prst="rect">
+            <a:avLst/>
+          </a:prstGeom>
+          <a:noFill/>
+          <a:ln w="12700">
+            <a:solidFill>
+              <a:prstClr val="black"/>
+            </a:solidFill>
+          </a:ln>
+        </p:spPr>
+        <p:txBody>
+          <a:bodyPr vert="horz" lIns="91440" tIns="45720" rIns="91440" bIns="45720" rtlCol="0" anchor="ctr"/>
+          <a:lstStyle/>
+          <a:p>
+            <a:endParaRPr lang="zh-CN" altLang="en-US"/>
+          </a:p>
+        </p:txBody>
+      </p:sp>
+      <p:sp>
+        <p:nvSpPr>
+          <p:cNvPr id="5" name="备注占位符 4"/>
+          <p:cNvSpPr>
+            <a:spLocks noGrp="1"/>
+          </p:cNvSpPr>
+          <p:nvPr>
+            <p:ph type="body" sz="quarter" idx="3"/>
+          </p:nvPr>
+        </p:nvSpPr>
+        <p:spPr>
+          <a:xfrm>
+            <a:off x="685800" y="4400550"/>
+            <a:ext cx="5486400" cy="3600450"/>
+          </a:xfrm>
+          <a:prstGeom prst="rect">
+            <a:avLst/>
+          </a:prstGeom>
+        </p:spPr>
+        <p:txBody>
+          <a:bodyPr vert="horz" lIns="91440" tIns="45720" rIns="91440" bIns="45720" rtlCol="0"/>
+          <a:lstStyle/>
+          <a:p>
+            <a:pPr lvl="0"/>
+            <a:r>
+              <a:rPr kumimoji="1" lang="zh-CN" altLang="en-US" smtClean="0"/>
+              <a:t>单击此处编辑母版文本样式</a:t>
+            </a:r>
+          </a:p>
+          <a:p>
+            <a:pPr lvl="1"/>
+            <a:r>
+              <a:rPr kumimoji="1" lang="zh-CN" altLang="en-US" smtClean="0"/>
+              <a:t>二级</a:t>
+            </a:r>
+          </a:p>
+          <a:p>
+            <a:pPr lvl="2"/>
+            <a:r>
+              <a:rPr kumimoji="1" lang="zh-CN" altLang="en-US" smtClean="0"/>
+              <a:t>三级</a:t>
+            </a:r>
+          </a:p>
+          <a:p>
+            <a:pPr lvl="3"/>
+            <a:r>
+              <a:rPr kumimoji="1" lang="zh-CN" altLang="en-US" smtClean="0"/>
+              <a:t>四级</a:t>
+            </a:r>
+          </a:p>
+          <a:p>
+            <a:pPr lvl="4"/>
+            <a:r>
+              <a:rPr kumimoji="1" lang="zh-CN" altLang="en-US" smtClean="0"/>
+              <a:t>五级</a:t>
+            </a:r>
+            <a:endParaRPr kumimoji="1" lang="zh-CN" altLang="en-US"/>
+          </a:p>
+        </p:txBody>
+      </p:sp>
+      <p:sp>
+        <p:nvSpPr>
+          <p:cNvPr id="6" name="页脚占位符 5"/>
+          <p:cNvSpPr>
+            <a:spLocks noGrp="1"/>
+          </p:cNvSpPr>
+          <p:nvPr>
+            <p:ph type="ftr" sz="quarter" idx="4"/>
+          </p:nvPr>
+        </p:nvSpPr>
+        <p:spPr>
+          <a:xfrm>
+            <a:off x="0" y="8685213"/>
+            <a:ext cx="2971800" cy="458787"/>
+          </a:xfrm>
+          <a:prstGeom prst="rect">
+            <a:avLst/>
+          </a:prstGeom>
+        </p:spPr>
+        <p:txBody>
+          <a:bodyPr vert="horz" lIns="91440" tIns="45720" rIns="91440" bIns="45720" rtlCol="0" anchor="b"/>
+          <a:lstStyle>
+            <a:lvl1pPr algn="l">
+              <a:defRPr sz="1200"/>
+            </a:lvl1pPr>
+          </a:lstStyle>
+          <a:p>
+            <a:endParaRPr kumimoji="1" lang="zh-CN" altLang="en-US"/>
+          </a:p>
+        </p:txBody>
+      </p:sp>
+      <p:sp>
+        <p:nvSpPr>
+          <p:cNvPr id="7" name="幻灯片编号占位符 6"/>
+          <p:cNvSpPr>
+            <a:spLocks noGrp="1"/>
+          </p:cNvSpPr>
+          <p:nvPr>
+            <p:ph type="sldNum" sz="quarter" idx="5"/>
+          </p:nvPr>
+        </p:nvSpPr>
+        <p:spPr>
+          <a:xfrm>
+            <a:off x="3884613" y="8685213"/>
+            <a:ext cx="2971800" cy="458787"/>
+          </a:xfrm>
+          <a:prstGeom prst="rect">
+            <a:avLst/>
+          </a:prstGeom>
+        </p:spPr>
+        <p:txBody>
+          <a:bodyPr vert="horz" lIns="91440" tIns="45720" rIns="91440" bIns="45720" rtlCol="0" anchor="b"/>
+          <a:lstStyle>
+            <a:lvl1pPr algn="r">
+              <a:defRPr sz="1200"/>
+            </a:lvl1pPr>
+          </a:lstStyle>
+          <a:p>
+            <a:fld id="{F0BC0C7B-567D-6246-BD66-13A06AA898CC}" type="slidenum">
+              <a:rPr kumimoji="1" lang="zh-CN" altLang="en-US" smtClean="0"/>
+              <a:t>‹#›</a:t>
+            </a:fld>
+            <a:endParaRPr kumimoji="1" lang="zh-CN" altLang="en-US"/>
+          </a:p>
+        </p:txBody>
+      </p:sp>
+    </p:spTree>
+    <p:extLst>
+      <p:ext uri="{BB962C8B-B14F-4D97-AF65-F5344CB8AC3E}">
+        <p14:creationId xmlns:p14="http://schemas.microsoft.com/office/powerpoint/2010/main" val="446164363"/>
+      </p:ext>
+    </p:extLst>
+  </p:cSld>
+  <p:clrMap bg1="lt1" tx1="dk1" bg2="lt2" tx2="dk2" accent1="accent1" accent2="accent2" accent3="accent3" accent4="accent4" accent5="accent5" accent6="accent6" hlink="hlink" folHlink="folHlink"/>
+  <p:notesStyle>
+    <a:lvl1pPr marL="0" algn="l" defTabSz="914400" rtl="0" eaLnBrk="1" latinLnBrk="0" hangingPunct="1">
+      <a:defRPr sz="1200" kern="1200">
+        <a:solidFill>
+          <a:schemeClr val="tx1"/>
+        </a:solidFill>
+        <a:latin typeface="+mn-lt"/>
+        <a:ea typeface="+mn-ea"/>
+        <a:cs typeface="+mn-cs"/>
+      </a:defRPr>
+    </a:lvl1pPr>
+    <a:lvl2pPr marL="457200" algn="l" defTabSz="914400" rtl="0" eaLnBrk="1" latinLnBrk="0" hangingPunct="1">
+      <a:defRPr sz="1200" kern="1200">
+        <a:solidFill>
+          <a:schemeClr val="tx1"/>
+        </a:solidFill>
+        <a:latin typeface="+mn-lt"/>
+        <a:ea typeface="+mn-ea"/>
+        <a:cs typeface="+mn-cs"/>
+      </a:defRPr>
+    </a:lvl2pPr>
+    <a:lvl3pPr marL="914400" algn="l" defTabSz="914400" rtl="0" eaLnBrk="1" latinLnBrk="0" hangingPunct="1">
+      <a:defRPr sz="1200" kern="1200">
+        <a:solidFill>
+          <a:schemeClr val="tx1"/>
+        </a:solidFill>
+        <a:latin typeface="+mn-lt"/>
+        <a:ea typeface="+mn-ea"/>
+        <a:cs typeface="+mn-cs"/>
+      </a:defRPr>
+    </a:lvl3pPr>
+    <a:lvl4pPr marL="1371600" algn="l" defTabSz="914400" rtl="0" eaLnBrk="1" latinLnBrk="0" hangingPunct="1">
+      <a:defRPr sz="1200" kern="1200">
+        <a:solidFill>
+          <a:schemeClr val="tx1"/>
+        </a:solidFill>
+        <a:latin typeface="+mn-lt"/>
+        <a:ea typeface="+mn-ea"/>
+        <a:cs typeface="+mn-cs"/>
+      </a:defRPr>
+    </a:lvl4pPr>
+    <a:lvl5pPr marL="1828800" algn="l" defTabSz="914400" rtl="0" eaLnBrk="1" latinLnBrk="0" hangingPunct="1">
+      <a:defRPr sz="1200" kern="1200">
+        <a:solidFill>
+          <a:schemeClr val="tx1"/>
+        </a:solidFill>
+        <a:latin typeface="+mn-lt"/>
+        <a:ea typeface="+mn-ea"/>
+        <a:cs typeface="+mn-cs"/>
+      </a:defRPr>
+    </a:lvl5pPr>
+    <a:lvl6pPr marL="2286000" algn="l" defTabSz="914400" rtl="0" eaLnBrk="1" latinLnBrk="0" hangingPunct="1">
+      <a:defRPr sz="1200" kern="1200">
+        <a:solidFill>
+          <a:schemeClr val="tx1"/>
+        </a:solidFill>
+        <a:latin typeface="+mn-lt"/>
+        <a:ea typeface="+mn-ea"/>
+        <a:cs typeface="+mn-cs"/>
+      </a:defRPr>
+    </a:lvl6pPr>
+    <a:lvl7pPr marL="2743200" algn="l" defTabSz="914400" rtl="0" eaLnBrk="1" latinLnBrk="0" hangingPunct="1">
+      <a:defRPr sz="1200" kern="1200">
+        <a:solidFill>
+          <a:schemeClr val="tx1"/>
+        </a:solidFill>
+        <a:latin typeface="+mn-lt"/>
+        <a:ea typeface="+mn-ea"/>
+        <a:cs typeface="+mn-cs"/>
+      </a:defRPr>
+    </a:lvl7pPr>
+    <a:lvl8pPr marL="3200400" algn="l" defTabSz="914400" rtl="0" eaLnBrk="1" latinLnBrk="0" hangingPunct="1">
+      <a:defRPr sz="1200" kern="1200">
+        <a:solidFill>
+          <a:schemeClr val="tx1"/>
+        </a:solidFill>
+        <a:latin typeface="+mn-lt"/>
+        <a:ea typeface="+mn-ea"/>
+        <a:cs typeface="+mn-cs"/>
+      </a:defRPr>
+    </a:lvl8pPr>
+    <a:lvl9pPr marL="3657600" algn="l" defTabSz="914400" rtl="0" eaLnBrk="1" latinLnBrk="0" hangingPunct="1">
+      <a:defRPr sz="1200" kern="1200">
+        <a:solidFill>
+          <a:schemeClr val="tx1"/>
+        </a:solidFill>
+        <a:latin typeface="+mn-lt"/>
+        <a:ea typeface="+mn-ea"/>
+        <a:cs typeface="+mn-cs"/>
+      </a:defRPr>
+    </a:lvl9pPr>
+  </p:notesStyle>
+</p:notesMaster>
+</file>
+
+<file path=ppt/notesSlides/notesSlide1.xml><?xml version="1.0" encoding="utf-8"?>
+<p:notes xmlns:a="http://schemas.openxmlformats.org/drawingml/2006/main" xmlns:r="http://schemas.openxmlformats.org/officeDocument/2006/relationships" xmlns:p="http://schemas.openxmlformats.org/presentationml/2006/main">
+  <p:cSld>
+    <p:spTree>
+      <p:nvGrpSpPr>
+        <p:cNvPr id="1" name=""/>
+        <p:cNvGrpSpPr/>
+        <p:nvPr/>
+      </p:nvGrpSpPr>
+      <p:grpSpPr>
+        <a:xfrm>
+          <a:off x="0" y="0"/>
+          <a:ext cx="0" cy="0"/>
+          <a:chOff x="0" y="0"/>
+          <a:chExt cx="0" cy="0"/>
+        </a:xfrm>
+      </p:grpSpPr>
+      <p:sp>
+        <p:nvSpPr>
+          <p:cNvPr id="2" name="幻灯片图像占位符 1"/>
+          <p:cNvSpPr>
+            <a:spLocks noGrp="1" noRot="1" noChangeAspect="1"/>
+          </p:cNvSpPr>
+          <p:nvPr>
+            <p:ph type="sldImg"/>
+          </p:nvPr>
+        </p:nvSpPr>
+        <p:spPr/>
+      </p:sp>
+      <p:sp>
+        <p:nvSpPr>
+          <p:cNvPr id="3" name="备注占位符 2"/>
+          <p:cNvSpPr>
+            <a:spLocks noGrp="1"/>
+          </p:cNvSpPr>
+          <p:nvPr>
+            <p:ph type="body" idx="1"/>
+          </p:nvPr>
+        </p:nvSpPr>
+        <p:spPr/>
+        <p:txBody>
+          <a:bodyPr/>
+          <a:lstStyle/>
+          <a:p>
+            <a:r>
+              <a:rPr lang="zh-CN" altLang="en-US" sz="1200" kern="1200" dirty="0" smtClean="0">
+                <a:solidFill>
+                  <a:schemeClr val="tx1"/>
+                </a:solidFill>
+                <a:effectLst/>
+                <a:latin typeface="+mn-lt"/>
+                <a:ea typeface="+mn-ea"/>
+                <a:cs typeface="+mn-cs"/>
+              </a:rPr>
+              <a:t>背景：</a:t>
+            </a:r>
+            <a:r>
+              <a:rPr lang="zh-CN" altLang="zh-CN" sz="1200" kern="1200" dirty="0" smtClean="0">
+                <a:solidFill>
+                  <a:schemeClr val="tx1"/>
+                </a:solidFill>
+                <a:effectLst/>
+                <a:latin typeface="+mn-lt"/>
+                <a:ea typeface="+mn-ea"/>
+                <a:cs typeface="+mn-cs"/>
+              </a:rPr>
+              <a:t>在我们的生活中，有不少同学喜欢用笔记记录自己的生活和学习，也有很多的同学希望能够和其他同学分享自己的学习笔记，生活</a:t>
+            </a:r>
+            <a:r>
+              <a:rPr lang="en-US" altLang="zh-CN" sz="1200" kern="1200" dirty="0" smtClean="0">
+                <a:solidFill>
+                  <a:schemeClr val="tx1"/>
+                </a:solidFill>
+                <a:effectLst/>
+                <a:latin typeface="+mn-lt"/>
+                <a:ea typeface="+mn-ea"/>
+                <a:cs typeface="+mn-cs"/>
+              </a:rPr>
+              <a:t>tips</a:t>
+            </a:r>
+            <a:r>
+              <a:rPr lang="zh-CN" altLang="zh-CN" sz="1200" kern="1200" dirty="0" smtClean="0">
+                <a:solidFill>
+                  <a:schemeClr val="tx1"/>
+                </a:solidFill>
+                <a:effectLst/>
+                <a:latin typeface="+mn-lt"/>
+                <a:ea typeface="+mn-ea"/>
+                <a:cs typeface="+mn-cs"/>
+              </a:rPr>
+              <a:t>，学习经验等等，但是现在并没有一个平台能够给大家提供开放式的大范围的分享笔记、协作笔记的服务，我们希望我们的应用</a:t>
+            </a:r>
+            <a:r>
+              <a:rPr lang="en-US" altLang="zh-CN" sz="1200" kern="1200" dirty="0" smtClean="0">
+                <a:solidFill>
+                  <a:schemeClr val="tx1"/>
+                </a:solidFill>
+                <a:effectLst/>
+                <a:latin typeface="+mn-lt"/>
+                <a:ea typeface="+mn-ea"/>
+                <a:cs typeface="+mn-cs"/>
+              </a:rPr>
+              <a:t>——TeamNote</a:t>
+            </a:r>
+            <a:r>
+              <a:rPr lang="zh-CN" altLang="zh-CN" sz="1200" kern="1200" dirty="0" smtClean="0">
+                <a:solidFill>
+                  <a:schemeClr val="tx1"/>
+                </a:solidFill>
+                <a:effectLst/>
+                <a:latin typeface="+mn-lt"/>
+                <a:ea typeface="+mn-ea"/>
+                <a:cs typeface="+mn-cs"/>
+              </a:rPr>
+              <a:t>能够作为一个平台向大家提供这样的服务</a:t>
+            </a:r>
+            <a:r>
+              <a:rPr lang="zh-CN" altLang="en-US" sz="1200" kern="1200" dirty="0" smtClean="0">
+                <a:solidFill>
+                  <a:schemeClr val="tx1"/>
+                </a:solidFill>
+                <a:effectLst/>
+                <a:latin typeface="+mn-lt"/>
+                <a:ea typeface="+mn-ea"/>
+                <a:cs typeface="+mn-cs"/>
+              </a:rPr>
+              <a:t>。</a:t>
+            </a:r>
+          </a:p>
+          <a:p>
+            <a:pPr marL="0" marR="0" indent="0" algn="l" defTabSz="914400" rtl="0" eaLnBrk="1" fontAlgn="auto" latinLnBrk="0" hangingPunct="1">
+              <a:lnSpc>
+                <a:spcPct val="100000"/>
+              </a:lnSpc>
+              <a:spcBef>
+                <a:spcPts val="0"/>
+              </a:spcBef>
+              <a:spcAft>
+                <a:spcPts val="0"/>
+              </a:spcAft>
+              <a:buClrTx/>
+              <a:buSzTx/>
+              <a:buFontTx/>
+              <a:buNone/>
+              <a:tabLst/>
+              <a:defRPr/>
+            </a:pPr>
+            <a:r>
+              <a:rPr lang="zh-CN" altLang="en-US" sz="1200" kern="1200" dirty="0" smtClean="0">
+                <a:solidFill>
+                  <a:schemeClr val="tx1"/>
+                </a:solidFill>
+                <a:effectLst/>
+                <a:latin typeface="+mn-lt"/>
+                <a:ea typeface="+mn-ea"/>
+                <a:cs typeface="+mn-cs"/>
+              </a:rPr>
+              <a:t>意义：</a:t>
+            </a:r>
+            <a:r>
+              <a:rPr lang="zh-CN" altLang="zh-CN" sz="1200" kern="1200" dirty="0" smtClean="0">
+                <a:solidFill>
+                  <a:schemeClr val="tx1"/>
+                </a:solidFill>
+                <a:effectLst/>
+                <a:latin typeface="+mn-lt"/>
+                <a:ea typeface="+mn-ea"/>
+                <a:cs typeface="+mn-cs"/>
+              </a:rPr>
+              <a:t>我们的平台方便用户分享自己的笔记，方便用户协作编辑笔记。为用户提供好的</a:t>
+            </a:r>
+            <a:r>
+              <a:rPr lang="en-US" altLang="zh-CN" sz="1200" kern="1200" dirty="0" smtClean="0">
+                <a:solidFill>
+                  <a:schemeClr val="tx1"/>
+                </a:solidFill>
+                <a:effectLst/>
+                <a:latin typeface="+mn-lt"/>
+                <a:ea typeface="+mn-ea"/>
+                <a:cs typeface="+mn-cs"/>
+              </a:rPr>
+              <a:t>markdown</a:t>
+            </a:r>
+            <a:r>
+              <a:rPr lang="zh-CN" altLang="zh-CN" sz="1200" kern="1200" dirty="0" smtClean="0">
+                <a:solidFill>
+                  <a:schemeClr val="tx1"/>
+                </a:solidFill>
+                <a:effectLst/>
+                <a:latin typeface="+mn-lt"/>
+                <a:ea typeface="+mn-ea"/>
+                <a:cs typeface="+mn-cs"/>
+              </a:rPr>
+              <a:t>笔记编辑服务和笔记的分享协作服务。有助于一个以笔记（包括但不限于课程笔记、学习经验、生活</a:t>
+            </a:r>
+            <a:r>
+              <a:rPr lang="en-US" altLang="zh-CN" sz="1200" kern="1200" dirty="0" smtClean="0">
+                <a:solidFill>
+                  <a:schemeClr val="tx1"/>
+                </a:solidFill>
+                <a:effectLst/>
+                <a:latin typeface="+mn-lt"/>
+                <a:ea typeface="+mn-ea"/>
+                <a:cs typeface="+mn-cs"/>
+              </a:rPr>
+              <a:t>tips</a:t>
+            </a:r>
+            <a:r>
+              <a:rPr lang="zh-CN" altLang="zh-CN" sz="1200" kern="1200" dirty="0" smtClean="0">
+                <a:solidFill>
+                  <a:schemeClr val="tx1"/>
+                </a:solidFill>
+                <a:effectLst/>
+                <a:latin typeface="+mn-lt"/>
+                <a:ea typeface="+mn-ea"/>
+                <a:cs typeface="+mn-cs"/>
+              </a:rPr>
+              <a:t>等）分享协作为主题的社区的形成。</a:t>
+            </a:r>
+          </a:p>
+          <a:p>
+            <a:endParaRPr kumimoji="1" lang="zh-CN" altLang="en-US" dirty="0"/>
+          </a:p>
+        </p:txBody>
+      </p:sp>
+      <p:sp>
+        <p:nvSpPr>
+          <p:cNvPr id="4" name="幻灯片编号占位符 3"/>
+          <p:cNvSpPr>
+            <a:spLocks noGrp="1"/>
+          </p:cNvSpPr>
+          <p:nvPr>
+            <p:ph type="sldNum" sz="quarter" idx="10"/>
+          </p:nvPr>
+        </p:nvSpPr>
+        <p:spPr/>
+        <p:txBody>
+          <a:bodyPr/>
+          <a:lstStyle/>
+          <a:p>
+            <a:fld id="{F0BC0C7B-567D-6246-BD66-13A06AA898CC}" type="slidenum">
+              <a:rPr kumimoji="1" lang="zh-CN" altLang="en-US" smtClean="0"/>
+              <a:t>4</a:t>
+            </a:fld>
+            <a:endParaRPr kumimoji="1" lang="zh-CN" altLang="en-US"/>
+          </a:p>
+        </p:txBody>
+      </p:sp>
+    </p:spTree>
+    <p:extLst>
+      <p:ext uri="{BB962C8B-B14F-4D97-AF65-F5344CB8AC3E}">
+        <p14:creationId xmlns:p14="http://schemas.microsoft.com/office/powerpoint/2010/main" val="1819037264"/>
+      </p:ext>
+    </p:extLst>
+  </p:cSld>
+  <p:clrMapOvr>
+    <a:masterClrMapping/>
+  </p:clrMapOvr>
+</p:notes>
+</file>
+
+<file path=ppt/notesSlides/notesSlide2.xml><?xml version="1.0" encoding="utf-8"?>
+<p:notes xmlns:a="http://schemas.openxmlformats.org/drawingml/2006/main" xmlns:r="http://schemas.openxmlformats.org/officeDocument/2006/relationships" xmlns:p="http://schemas.openxmlformats.org/presentationml/2006/main">
+  <p:cSld>
+    <p:spTree>
+      <p:nvGrpSpPr>
+        <p:cNvPr id="1" name=""/>
+        <p:cNvGrpSpPr/>
+        <p:nvPr/>
+      </p:nvGrpSpPr>
+      <p:grpSpPr>
+        <a:xfrm>
+          <a:off x="0" y="0"/>
+          <a:ext cx="0" cy="0"/>
+          <a:chOff x="0" y="0"/>
+          <a:chExt cx="0" cy="0"/>
+        </a:xfrm>
+      </p:grpSpPr>
+      <p:sp>
+        <p:nvSpPr>
+          <p:cNvPr id="2" name="幻灯片图像占位符 1"/>
+          <p:cNvSpPr>
+            <a:spLocks noGrp="1" noRot="1" noChangeAspect="1"/>
+          </p:cNvSpPr>
+          <p:nvPr>
+            <p:ph type="sldImg"/>
+          </p:nvPr>
+        </p:nvSpPr>
+        <p:spPr/>
+      </p:sp>
+      <p:sp>
+        <p:nvSpPr>
+          <p:cNvPr id="3" name="备注占位符 2"/>
+          <p:cNvSpPr>
+            <a:spLocks noGrp="1"/>
+          </p:cNvSpPr>
+          <p:nvPr>
+            <p:ph type="body" idx="1"/>
+          </p:nvPr>
+        </p:nvSpPr>
+        <p:spPr/>
+        <p:txBody>
+          <a:bodyPr/>
+          <a:lstStyle/>
+          <a:p>
+            <a:r>
+              <a:rPr lang="zh-CN" altLang="zh-CN" sz="1200" kern="1200" dirty="0" smtClean="0">
+                <a:solidFill>
+                  <a:schemeClr val="tx1"/>
+                </a:solidFill>
+                <a:effectLst/>
+                <a:latin typeface="+mn-lt"/>
+                <a:ea typeface="+mn-ea"/>
+                <a:cs typeface="+mn-cs"/>
+              </a:rPr>
+              <a:t>应用与市场前景：</a:t>
+            </a:r>
+          </a:p>
+          <a:p>
+            <a:r>
+              <a:rPr lang="zh-CN" altLang="zh-CN" sz="1200" kern="1200" dirty="0" smtClean="0">
+                <a:solidFill>
+                  <a:schemeClr val="tx1"/>
+                </a:solidFill>
+                <a:effectLst/>
+                <a:latin typeface="+mn-lt"/>
+                <a:ea typeface="+mn-ea"/>
+                <a:cs typeface="+mn-cs"/>
+              </a:rPr>
+              <a:t>我们的平台将解决符合上面用户画像的用户的需求（主要是学生），提供一个平台，用户在这个开放式的平台上可以自由地分享自己想要分享的各种笔记，可以对别人的笔记提出意见建议修改，可以和几个同学一起协作创造优秀的笔记，可以浏览和搜索自己喜欢的笔记</a:t>
+            </a:r>
+            <a:r>
+              <a:rPr lang="en-US" altLang="zh-CN" sz="1200" kern="1200" dirty="0" smtClean="0">
+                <a:solidFill>
+                  <a:schemeClr val="tx1"/>
+                </a:solidFill>
+                <a:effectLst/>
+                <a:latin typeface="+mn-lt"/>
+                <a:ea typeface="+mn-ea"/>
+                <a:cs typeface="+mn-cs"/>
+              </a:rPr>
+              <a:t>……</a:t>
+            </a:r>
+            <a:endParaRPr lang="zh-CN" altLang="zh-CN" sz="1200" kern="1200" dirty="0" smtClean="0">
+              <a:solidFill>
+                <a:schemeClr val="tx1"/>
+              </a:solidFill>
+              <a:effectLst/>
+              <a:latin typeface="+mn-lt"/>
+              <a:ea typeface="+mn-ea"/>
+              <a:cs typeface="+mn-cs"/>
+            </a:endParaRPr>
+          </a:p>
+          <a:p>
+            <a:r>
+              <a:rPr lang="zh-CN" altLang="zh-CN" sz="1200" kern="1200" dirty="0" smtClean="0">
+                <a:solidFill>
+                  <a:schemeClr val="tx1"/>
+                </a:solidFill>
+                <a:effectLst/>
+                <a:latin typeface="+mn-lt"/>
+                <a:ea typeface="+mn-ea"/>
+                <a:cs typeface="+mn-cs"/>
+              </a:rPr>
+              <a:t>经过对同学的采访了解，大家普遍对这个平台很有兴趣，并且很多学霸表示自己愿意在平台上分享自己的笔记和经验。</a:t>
+            </a:r>
+          </a:p>
+          <a:p>
+            <a:r>
+              <a:rPr lang="zh-CN" altLang="zh-CN" sz="1200" kern="1200" dirty="0" smtClean="0">
+                <a:solidFill>
+                  <a:schemeClr val="tx1"/>
+                </a:solidFill>
+                <a:effectLst/>
+                <a:latin typeface="+mn-lt"/>
+                <a:ea typeface="+mn-ea"/>
+                <a:cs typeface="+mn-cs"/>
+              </a:rPr>
+              <a:t>我们的产品通过对贡献者的激励（点赞，</a:t>
+            </a:r>
+            <a:r>
+              <a:rPr lang="en-US" altLang="zh-CN" sz="1200" kern="1200" dirty="0" smtClean="0">
+                <a:solidFill>
+                  <a:schemeClr val="tx1"/>
+                </a:solidFill>
+                <a:effectLst/>
+                <a:latin typeface="+mn-lt"/>
+                <a:ea typeface="+mn-ea"/>
+                <a:cs typeface="+mn-cs"/>
+              </a:rPr>
+              <a:t>follow</a:t>
+            </a:r>
+            <a:r>
+              <a:rPr lang="zh-CN" altLang="zh-CN" sz="1200" kern="1200" dirty="0" smtClean="0">
+                <a:solidFill>
+                  <a:schemeClr val="tx1"/>
+                </a:solidFill>
+                <a:effectLst/>
+                <a:latin typeface="+mn-lt"/>
+                <a:ea typeface="+mn-ea"/>
+                <a:cs typeface="+mn-cs"/>
+              </a:rPr>
+              <a:t>，勋章荣誉、打赏等方式）吸引更多的人创造更好的内容，而优质的内容将会吸引更多用户来到我们的平台</a:t>
+            </a:r>
+            <a:r>
+              <a:rPr lang="zh-CN" altLang="zh-CN" dirty="0" smtClean="0">
+                <a:effectLst/>
+              </a:rPr>
+              <a:t> </a:t>
+            </a:r>
+            <a:endParaRPr kumimoji="1" lang="zh-CN" altLang="en-US" dirty="0"/>
+          </a:p>
+        </p:txBody>
+      </p:sp>
+      <p:sp>
+        <p:nvSpPr>
+          <p:cNvPr id="4" name="幻灯片编号占位符 3"/>
+          <p:cNvSpPr>
+            <a:spLocks noGrp="1"/>
+          </p:cNvSpPr>
+          <p:nvPr>
+            <p:ph type="sldNum" sz="quarter" idx="10"/>
+          </p:nvPr>
+        </p:nvSpPr>
+        <p:spPr/>
+        <p:txBody>
+          <a:bodyPr/>
+          <a:lstStyle/>
+          <a:p>
+            <a:fld id="{F0BC0C7B-567D-6246-BD66-13A06AA898CC}" type="slidenum">
+              <a:rPr kumimoji="1" lang="zh-CN" altLang="en-US" smtClean="0"/>
+              <a:t>5</a:t>
+            </a:fld>
+            <a:endParaRPr kumimoji="1" lang="zh-CN" altLang="en-US"/>
+          </a:p>
+        </p:txBody>
+      </p:sp>
+    </p:spTree>
+    <p:extLst>
+      <p:ext uri="{BB962C8B-B14F-4D97-AF65-F5344CB8AC3E}">
+        <p14:creationId xmlns:p14="http://schemas.microsoft.com/office/powerpoint/2010/main" val="1083084699"/>
+      </p:ext>
+    </p:extLst>
+  </p:cSld>
+  <p:clrMapOvr>
+    <a:masterClrMapping/>
+  </p:clrMapOvr>
+</p:notes>
+</file>
+
+<file path=ppt/notesSlides/notesSlide3.xml><?xml version="1.0" encoding="utf-8"?>
+<p:notes xmlns:a="http://schemas.openxmlformats.org/drawingml/2006/main" xmlns:r="http://schemas.openxmlformats.org/officeDocument/2006/relationships" xmlns:p="http://schemas.openxmlformats.org/presentationml/2006/main">
+  <p:cSld>
+    <p:spTree>
+      <p:nvGrpSpPr>
+        <p:cNvPr id="1" name=""/>
+        <p:cNvGrpSpPr/>
+        <p:nvPr/>
+      </p:nvGrpSpPr>
+      <p:grpSpPr>
+        <a:xfrm>
+          <a:off x="0" y="0"/>
+          <a:ext cx="0" cy="0"/>
+          <a:chOff x="0" y="0"/>
+          <a:chExt cx="0" cy="0"/>
+        </a:xfrm>
+      </p:grpSpPr>
+      <p:sp>
+        <p:nvSpPr>
+          <p:cNvPr id="2" name="幻灯片图像占位符 1"/>
+          <p:cNvSpPr>
+            <a:spLocks noGrp="1" noRot="1" noChangeAspect="1"/>
+          </p:cNvSpPr>
+          <p:nvPr>
+            <p:ph type="sldImg"/>
+          </p:nvPr>
+        </p:nvSpPr>
+        <p:spPr/>
+      </p:sp>
+      <p:sp>
+        <p:nvSpPr>
+          <p:cNvPr id="3" name="备注占位符 2"/>
+          <p:cNvSpPr>
+            <a:spLocks noGrp="1"/>
+          </p:cNvSpPr>
+          <p:nvPr>
+            <p:ph type="body" idx="1"/>
+          </p:nvPr>
+        </p:nvSpPr>
+        <p:spPr/>
+        <p:txBody>
+          <a:bodyPr/>
+          <a:lstStyle/>
+          <a:p>
+            <a:r>
+              <a:rPr kumimoji="1" lang="zh-CN" altLang="en-US" dirty="0" smtClean="0"/>
+              <a:t>这是我们的用例图，展示了主要的功能。</a:t>
+            </a:r>
+          </a:p>
+          <a:p>
+            <a:r>
+              <a:rPr kumimoji="1" lang="zh-CN" altLang="en-US" dirty="0" smtClean="0"/>
+              <a:t>概括来讲，我们</a:t>
+            </a:r>
+            <a:r>
+              <a:rPr kumimoji="1" lang="zh-CN" altLang="en-US" smtClean="0"/>
+              <a:t>的用户主要</a:t>
+            </a:r>
+            <a:endParaRPr kumimoji="1" lang="zh-CN" altLang="en-US"/>
+          </a:p>
+        </p:txBody>
+      </p:sp>
+      <p:sp>
+        <p:nvSpPr>
+          <p:cNvPr id="4" name="幻灯片编号占位符 3"/>
+          <p:cNvSpPr>
+            <a:spLocks noGrp="1"/>
+          </p:cNvSpPr>
+          <p:nvPr>
+            <p:ph type="sldNum" sz="quarter" idx="10"/>
+          </p:nvPr>
+        </p:nvSpPr>
+        <p:spPr/>
+        <p:txBody>
+          <a:bodyPr/>
+          <a:lstStyle/>
+          <a:p>
+            <a:fld id="{F0BC0C7B-567D-6246-BD66-13A06AA898CC}" type="slidenum">
+              <a:rPr kumimoji="1" lang="zh-CN" altLang="en-US" smtClean="0"/>
+              <a:t>7</a:t>
+            </a:fld>
+            <a:endParaRPr kumimoji="1" lang="zh-CN" altLang="en-US"/>
+          </a:p>
+        </p:txBody>
+      </p:sp>
+    </p:spTree>
+    <p:extLst>
+      <p:ext uri="{BB962C8B-B14F-4D97-AF65-F5344CB8AC3E}">
+        <p14:creationId xmlns:p14="http://schemas.microsoft.com/office/powerpoint/2010/main" val="1510276600"/>
+      </p:ext>
+    </p:extLst>
+  </p:cSld>
+  <p:clrMapOvr>
+    <a:masterClrMapping/>
+  </p:clrMapOvr>
+</p:notes>
 </file>
 
 <file path=ppt/slideLayouts/slideLayout1.xml><?xml version="1.0" encoding="utf-8"?>
@@ -32929,11 +33830,17 @@
             <p:ph type="body" sz="quarter" idx="13"/>
           </p:nvPr>
         </p:nvSpPr>
-        <p:spPr/>
+        <p:spPr>
+          <a:xfrm>
+            <a:off x="2137973" y="2962464"/>
+            <a:ext cx="8084654" cy="1041761"/>
+          </a:xfrm>
+        </p:spPr>
         <p:txBody>
           <a:bodyPr/>
           <a:lstStyle/>
           <a:p>
+            <a:pPr algn="ctr"/>
             <a:r>
               <a:rPr kumimoji="1" lang="en-US" altLang="zh-CN" dirty="0" smtClean="0"/>
               <a:t>THANK</a:t>
@@ -35502,7 +36409,7 @@
           <p:nvPr/>
         </p:nvPicPr>
         <p:blipFill>
-          <a:blip r:embed="rId2"/>
+          <a:blip r:embed="rId3"/>
           <a:stretch>
             <a:fillRect/>
           </a:stretch>
@@ -35539,7 +36446,7 @@
           <p:nvPr/>
         </p:nvPicPr>
         <p:blipFill>
-          <a:blip r:embed="rId3">
+          <a:blip r:embed="rId4">
             <a:extLst>
               <a:ext uri="{28A0092B-C50C-407E-A947-70E740481C1C}">
                 <a14:useLocalDpi xmlns:a14="http://schemas.microsoft.com/office/drawing/2010/main" val="0"/>
@@ -37515,4 +38422,265 @@
     </a:ext>
   </a:extLst>
 </a:theme>
+</file>
+
+<file path=ppt/theme/theme3.xml><?xml version="1.0" encoding="utf-8"?>
+<a:theme xmlns:a="http://schemas.openxmlformats.org/drawingml/2006/main" name="Office 主题">
+  <a:themeElements>
+    <a:clrScheme name="Office">
+      <a:dk1>
+        <a:sysClr val="windowText" lastClr="000000"/>
+      </a:dk1>
+      <a:lt1>
+        <a:sysClr val="window" lastClr="FFFFFF"/>
+      </a:lt1>
+      <a:dk2>
+        <a:srgbClr val="44546A"/>
+      </a:dk2>
+      <a:lt2>
+        <a:srgbClr val="E7E6E6"/>
+      </a:lt2>
+      <a:accent1>
+        <a:srgbClr val="5B9BD5"/>
+      </a:accent1>
+      <a:accent2>
+        <a:srgbClr val="ED7D31"/>
+      </a:accent2>
+      <a:accent3>
+        <a:srgbClr val="A5A5A5"/>
+      </a:accent3>
+      <a:accent4>
+        <a:srgbClr val="FFC000"/>
+      </a:accent4>
+      <a:accent5>
+        <a:srgbClr val="4472C4"/>
+      </a:accent5>
+      <a:accent6>
+        <a:srgbClr val="70AD47"/>
+      </a:accent6>
+      <a:hlink>
+        <a:srgbClr val="0563C1"/>
+      </a:hlink>
+      <a:folHlink>
+        <a:srgbClr val="954F72"/>
+      </a:folHlink>
+    </a:clrScheme>
+    <a:fontScheme name="Office">
+      <a:majorFont>
+        <a:latin typeface="Calibri Light" panose="020F0302020204030204"/>
+        <a:ea typeface=""/>
+        <a:cs typeface=""/>
+        <a:font script="Jpan" typeface="ＭＳ Ｐゴシック"/>
+        <a:font script="Hang" typeface="맑은 고딕"/>
+        <a:font script="Hans" typeface="宋体"/>
+        <a:font script="Hant" typeface="新細明體"/>
+        <a:font script="Arab" typeface="Times New Roman"/>
+        <a:font script="Hebr" typeface="Times New Roman"/>
+        <a:font script="Thai" typeface="Angsana New"/>
+        <a:font script="Ethi" typeface="Nyala"/>
+        <a:font script="Beng" typeface="Vrinda"/>
+        <a:font script="Gujr" typeface="Shruti"/>
+        <a:font script="Khmr" typeface="MoolBoran"/>
+        <a:font script="Knda" typeface="Tunga"/>
+        <a:font script="Guru" typeface="Raavi"/>
+        <a:font script="Cans" typeface="Euphemia"/>
+        <a:font script="Cher" typeface="Plantagenet Cherokee"/>
+        <a:font script="Yiii" typeface="Microsoft Yi Baiti"/>
+        <a:font script="Tibt" typeface="Microsoft Himalaya"/>
+        <a:font script="Thaa" typeface="MV Boli"/>
+        <a:font script="Deva" typeface="Mangal"/>
+        <a:font script="Telu" typeface="Gautami"/>
+        <a:font script="Taml" typeface="Latha"/>
+        <a:font script="Syrc" typeface="Estrangelo Edessa"/>
+        <a:font script="Orya" typeface="Kalinga"/>
+        <a:font script="Mlym" typeface="Kartika"/>
+        <a:font script="Laoo" typeface="DokChampa"/>
+        <a:font script="Sinh" typeface="Iskoola Pota"/>
+        <a:font script="Mong" typeface="Mongolian Baiti"/>
+        <a:font script="Viet" typeface="Times New Roman"/>
+        <a:font script="Uigh" typeface="Microsoft Uighur"/>
+        <a:font script="Geor" typeface="Sylfaen"/>
+      </a:majorFont>
+      <a:minorFont>
+        <a:latin typeface="Calibri" panose="020F0502020204030204"/>
+        <a:ea typeface=""/>
+        <a:cs typeface=""/>
+        <a:font script="Jpan" typeface="ＭＳ Ｐゴシック"/>
+        <a:font script="Hang" typeface="맑은 고딕"/>
+        <a:font script="Hans" typeface="宋体"/>
+        <a:font script="Hant" typeface="新細明體"/>
+        <a:font script="Arab" typeface="Arial"/>
+        <a:font script="Hebr" typeface="Arial"/>
+        <a:font script="Thai" typeface="Cordia New"/>
+        <a:font script="Ethi" typeface="Nyala"/>
+        <a:font script="Beng" typeface="Vrinda"/>
+        <a:font script="Gujr" typeface="Shruti"/>
+        <a:font script="Khmr" typeface="DaunPenh"/>
+        <a:font script="Knda" typeface="Tunga"/>
+        <a:font script="Guru" typeface="Raavi"/>
+        <a:font script="Cans" typeface="Euphemia"/>
+        <a:font script="Cher" typeface="Plantagenet Cherokee"/>
+        <a:font script="Yiii" typeface="Microsoft Yi Baiti"/>
+        <a:font script="Tibt" typeface="Microsoft Himalaya"/>
+        <a:font script="Thaa" typeface="MV Boli"/>
+        <a:font script="Deva" typeface="Mangal"/>
+        <a:font script="Telu" typeface="Gautami"/>
+        <a:font script="Taml" typeface="Latha"/>
+        <a:font script="Syrc" typeface="Estrangelo Edessa"/>
+        <a:font script="Orya" typeface="Kalinga"/>
+        <a:font script="Mlym" typeface="Kartika"/>
+        <a:font script="Laoo" typeface="DokChampa"/>
+        <a:font script="Sinh" typeface="Iskoola Pota"/>
+        <a:font script="Mong" typeface="Mongolian Baiti"/>
+        <a:font script="Viet" typeface="Arial"/>
+        <a:font script="Uigh" typeface="Microsoft Uighur"/>
+        <a:font script="Geor" typeface="Sylfaen"/>
+      </a:minorFont>
+    </a:fontScheme>
+    <a:fmtScheme name="Office">
+      <a:fillStyleLst>
+        <a:solidFill>
+          <a:schemeClr val="phClr"/>
+        </a:solidFill>
+        <a:gradFill rotWithShape="1">
+          <a:gsLst>
+            <a:gs pos="0">
+              <a:schemeClr val="phClr">
+                <a:lumMod val="110000"/>
+                <a:satMod val="105000"/>
+                <a:tint val="67000"/>
+              </a:schemeClr>
+            </a:gs>
+            <a:gs pos="50000">
+              <a:schemeClr val="phClr">
+                <a:lumMod val="105000"/>
+                <a:satMod val="103000"/>
+                <a:tint val="73000"/>
+              </a:schemeClr>
+            </a:gs>
+            <a:gs pos="100000">
+              <a:schemeClr val="phClr">
+                <a:lumMod val="105000"/>
+                <a:satMod val="109000"/>
+                <a:tint val="81000"/>
+              </a:schemeClr>
+            </a:gs>
+          </a:gsLst>
+          <a:lin ang="5400000" scaled="0"/>
+        </a:gradFill>
+        <a:gradFill rotWithShape="1">
+          <a:gsLst>
+            <a:gs pos="0">
+              <a:schemeClr val="phClr">
+                <a:satMod val="103000"/>
+                <a:lumMod val="102000"/>
+                <a:tint val="94000"/>
+              </a:schemeClr>
+            </a:gs>
+            <a:gs pos="50000">
+              <a:schemeClr val="phClr">
+                <a:satMod val="110000"/>
+                <a:lumMod val="100000"/>
+                <a:shade val="100000"/>
+              </a:schemeClr>
+            </a:gs>
+            <a:gs pos="100000">
+              <a:schemeClr val="phClr">
+                <a:lumMod val="99000"/>
+                <a:satMod val="120000"/>
+                <a:shade val="78000"/>
+              </a:schemeClr>
+            </a:gs>
+          </a:gsLst>
+          <a:lin ang="5400000" scaled="0"/>
+        </a:gradFill>
+      </a:fillStyleLst>
+      <a:lnStyleLst>
+        <a:ln w="6350" cap="flat" cmpd="sng" algn="ctr">
+          <a:solidFill>
+            <a:schemeClr val="phClr"/>
+          </a:solidFill>
+          <a:prstDash val="solid"/>
+          <a:miter lim="800000"/>
+        </a:ln>
+        <a:ln w="12700" cap="flat" cmpd="sng" algn="ctr">
+          <a:solidFill>
+            <a:schemeClr val="phClr"/>
+          </a:solidFill>
+          <a:prstDash val="solid"/>
+          <a:miter lim="800000"/>
+        </a:ln>
+        <a:ln w="19050" cap="flat" cmpd="sng" algn="ctr">
+          <a:solidFill>
+            <a:schemeClr val="phClr"/>
+          </a:solidFill>
+          <a:prstDash val="solid"/>
+          <a:miter lim="800000"/>
+        </a:ln>
+      </a:lnStyleLst>
+      <a:effectStyleLst>
+        <a:effectStyle>
+          <a:effectLst/>
+        </a:effectStyle>
+        <a:effectStyle>
+          <a:effectLst/>
+        </a:effectStyle>
+        <a:effectStyle>
+          <a:effectLst>
+            <a:outerShdw blurRad="57150" dist="19050" dir="5400000" algn="ctr" rotWithShape="0">
+              <a:srgbClr val="000000">
+                <a:alpha val="63000"/>
+              </a:srgbClr>
+            </a:outerShdw>
+          </a:effectLst>
+        </a:effectStyle>
+      </a:effectStyleLst>
+      <a:bgFillStyleLst>
+        <a:solidFill>
+          <a:schemeClr val="phClr"/>
+        </a:solidFill>
+        <a:solidFill>
+          <a:schemeClr val="phClr">
+            <a:tint val="95000"/>
+            <a:satMod val="170000"/>
+          </a:schemeClr>
+        </a:solidFill>
+        <a:gradFill rotWithShape="1">
+          <a:gsLst>
+            <a:gs pos="0">
+              <a:schemeClr val="phClr">
+                <a:tint val="93000"/>
+                <a:satMod val="150000"/>
+                <a:shade val="98000"/>
+                <a:lumMod val="102000"/>
+              </a:schemeClr>
+            </a:gs>
+            <a:gs pos="50000">
+              <a:schemeClr val="phClr">
+                <a:tint val="98000"/>
+                <a:satMod val="130000"/>
+                <a:shade val="90000"/>
+                <a:lumMod val="103000"/>
+              </a:schemeClr>
+            </a:gs>
+            <a:gs pos="100000">
+              <a:schemeClr val="phClr">
+                <a:shade val="63000"/>
+                <a:satMod val="120000"/>
+              </a:schemeClr>
+            </a:gs>
+          </a:gsLst>
+          <a:lin ang="5400000" scaled="0"/>
+        </a:gradFill>
+      </a:bgFillStyleLst>
+    </a:fmtScheme>
+  </a:themeElements>
+  <a:objectDefaults/>
+  <a:extraClrSchemeLst/>
+  <a:extLst>
+    <a:ext uri="{05A4C25C-085E-4340-85A3-A5531E510DB2}">
+      <thm15:themeFamily xmlns:thm15="http://schemas.microsoft.com/office/thememl/2012/main" name="Office Theme" id="{62F939B6-93AF-4DB8-9C6B-D6C7DFDC589F}" vid="{4A3C46E8-61CC-4603-A589-7422A47A8E4A}"/>
+    </a:ext>
+  </a:extLst>
+</a:theme>
 </file>
--- a/doc/答辩PPT.pptx
+++ b/doc/答辩PPT.pptx
@@ -982,13 +982,9 @@
           <a:p>
             <a:r>
               <a:rPr kumimoji="1" lang="zh-CN" altLang="en-US" dirty="0" smtClean="0"/>
-              <a:t>概括来讲，我们</a:t>
-            </a:r>
-            <a:r>
-              <a:rPr kumimoji="1" lang="zh-CN" altLang="en-US" smtClean="0"/>
-              <a:t>的用户主要</a:t>
-            </a:r>
-            <a:endParaRPr kumimoji="1" lang="zh-CN" altLang="en-US"/>
+              <a:t>概括来讲，我们的用户主要分为三种角色：包括笔记本的管理组、普通用户、和管理员。其中每一位用户都可能既是某本笔记本的管理者又是别人笔记的读者。作为笔记管理组，用户可以编辑笔记的内容，控制笔记的版本，邀请其他人加入工作组一起完成笔记。作为读者可以阅读别人的笔记并且向笔记本的管理者提供意见，这个意见会在原来的文本上直接修改。这个意见会被管理者看到，管理者可以将这个意见版本加入到历史记录的版本中去，从而提出建议的人会成为合作者</a:t>
+            </a:r>
+            <a:endParaRPr kumimoji="1" lang="zh-CN" altLang="en-US" dirty="0"/>
           </a:p>
         </p:txBody>
       </p:sp>
@@ -1019,6 +1015,446 @@
     <p:extLst>
       <p:ext uri="{BB962C8B-B14F-4D97-AF65-F5344CB8AC3E}">
         <p14:creationId xmlns:p14="http://schemas.microsoft.com/office/powerpoint/2010/main" val="1510276600"/>
+      </p:ext>
+    </p:extLst>
+  </p:cSld>
+  <p:clrMapOvr>
+    <a:masterClrMapping/>
+  </p:clrMapOvr>
+</p:notes>
+</file>
+
+<file path=ppt/notesSlides/notesSlide4.xml><?xml version="1.0" encoding="utf-8"?>
+<p:notes xmlns:a="http://schemas.openxmlformats.org/drawingml/2006/main" xmlns:r="http://schemas.openxmlformats.org/officeDocument/2006/relationships" xmlns:p="http://schemas.openxmlformats.org/presentationml/2006/main">
+  <p:cSld>
+    <p:spTree>
+      <p:nvGrpSpPr>
+        <p:cNvPr id="1" name=""/>
+        <p:cNvGrpSpPr/>
+        <p:nvPr/>
+      </p:nvGrpSpPr>
+      <p:grpSpPr>
+        <a:xfrm>
+          <a:off x="0" y="0"/>
+          <a:ext cx="0" cy="0"/>
+          <a:chOff x="0" y="0"/>
+          <a:chExt cx="0" cy="0"/>
+        </a:xfrm>
+      </p:grpSpPr>
+      <p:sp>
+        <p:nvSpPr>
+          <p:cNvPr id="2" name="幻灯片图像占位符 1"/>
+          <p:cNvSpPr>
+            <a:spLocks noGrp="1" noRot="1" noChangeAspect="1"/>
+          </p:cNvSpPr>
+          <p:nvPr>
+            <p:ph type="sldImg"/>
+          </p:nvPr>
+        </p:nvSpPr>
+        <p:spPr/>
+      </p:sp>
+      <p:sp>
+        <p:nvSpPr>
+          <p:cNvPr id="3" name="备注占位符 2"/>
+          <p:cNvSpPr>
+            <a:spLocks noGrp="1"/>
+          </p:cNvSpPr>
+          <p:nvPr>
+            <p:ph type="body" idx="1"/>
+          </p:nvPr>
+        </p:nvSpPr>
+        <p:spPr/>
+        <p:txBody>
+          <a:bodyPr/>
+          <a:lstStyle/>
+          <a:p>
+            <a:r>
+              <a:rPr kumimoji="1" lang="zh-CN" altLang="en-US" dirty="0" smtClean="0"/>
+              <a:t>前段是。。</a:t>
+            </a:r>
+          </a:p>
+          <a:p>
+            <a:pPr marL="0" marR="0" indent="0" algn="l" defTabSz="914400" rtl="0" eaLnBrk="1" fontAlgn="auto" latinLnBrk="0" hangingPunct="1">
+              <a:lnSpc>
+                <a:spcPct val="100000"/>
+              </a:lnSpc>
+              <a:spcBef>
+                <a:spcPts val="0"/>
+              </a:spcBef>
+              <a:spcAft>
+                <a:spcPts val="0"/>
+              </a:spcAft>
+              <a:buClrTx/>
+              <a:buSzTx/>
+              <a:buFontTx/>
+              <a:buNone/>
+              <a:tabLst/>
+              <a:defRPr/>
+            </a:pPr>
+            <a:r>
+              <a:rPr kumimoji="1" lang="zh-CN" altLang="en-US" dirty="0" smtClean="0"/>
+              <a:t>数据层是</a:t>
+            </a:r>
+            <a:r>
+              <a:rPr kumimoji="1" lang="en-US" altLang="zh-CN" dirty="0" smtClean="0"/>
+              <a:t>MySQL</a:t>
+            </a:r>
+            <a:r>
+              <a:rPr kumimoji="1" lang="zh-CN" altLang="en-US" dirty="0" smtClean="0"/>
+              <a:t>，里</a:t>
+            </a:r>
+            <a:r>
+              <a:rPr kumimoji="1" lang="en-US" altLang="zh-CN" dirty="0" smtClean="0"/>
+              <a:t>MongoDB</a:t>
+            </a:r>
+            <a:r>
+              <a:rPr kumimoji="1" lang="zh-CN" altLang="en-US" dirty="0" smtClean="0"/>
+              <a:t>主要保存了其他各种信息，笔记内容的存储形式是</a:t>
+            </a:r>
+            <a:r>
+              <a:rPr kumimoji="1" lang="en-US" altLang="zh-CN" dirty="0" smtClean="0"/>
+              <a:t>html</a:t>
+            </a:r>
+            <a:r>
+              <a:rPr kumimoji="1" lang="zh-CN" altLang="en-US" dirty="0" smtClean="0"/>
+              <a:t>的</a:t>
+            </a:r>
+            <a:r>
+              <a:rPr kumimoji="1" lang="en-US" altLang="zh-CN" dirty="0" smtClean="0"/>
+              <a:t>text</a:t>
+            </a:r>
+            <a:r>
+              <a:rPr kumimoji="1" lang="zh-CN" altLang="en-US" dirty="0" smtClean="0"/>
+              <a:t>，笔记中图片是以文件型数据的形式存储</a:t>
+            </a:r>
+          </a:p>
+          <a:p>
+            <a:r>
+              <a:rPr kumimoji="1" lang="zh-CN" altLang="en-US" dirty="0" smtClean="0"/>
+              <a:t>面存的主要是用户的基本信息比如密码，身份权限等，另外会保存用户和笔记本之间的关系，是拥有者，还是合作者。</a:t>
+            </a:r>
+          </a:p>
+          <a:p>
+            <a:r>
+              <a:rPr kumimoji="1" lang="zh-CN" altLang="en-US" dirty="0" smtClean="0"/>
+              <a:t>业务层里面主要是一些我们系统的服务，前后端通信的</a:t>
+            </a:r>
+            <a:r>
+              <a:rPr kumimoji="1" lang="en-US" altLang="zh-CN" dirty="0" smtClean="0"/>
+              <a:t>API</a:t>
+            </a:r>
+            <a:r>
+              <a:rPr kumimoji="1" lang="zh-CN" altLang="en-US" dirty="0" smtClean="0"/>
+              <a:t>满足</a:t>
+            </a:r>
+            <a:r>
+              <a:rPr kumimoji="1" lang="en-US" altLang="zh-CN" dirty="0" smtClean="0"/>
+              <a:t>RESTful</a:t>
+            </a:r>
+            <a:r>
+              <a:rPr kumimoji="1" lang="zh-CN" altLang="en-US" dirty="0" smtClean="0"/>
+              <a:t>的风格。</a:t>
+            </a:r>
+          </a:p>
+          <a:p>
+            <a:r>
+              <a:rPr kumimoji="1" lang="zh-CN" altLang="en-US" dirty="0" smtClean="0"/>
+              <a:t>其中笔记服务，我们通过了开源的</a:t>
+            </a:r>
+            <a:r>
+              <a:rPr kumimoji="1" lang="en-US" altLang="zh-CN" dirty="0" smtClean="0"/>
+              <a:t>CKEditor</a:t>
+            </a:r>
+            <a:r>
+              <a:rPr kumimoji="1" lang="zh-CN" altLang="en-US" dirty="0" smtClean="0"/>
+              <a:t>，在它的基础上修改了一部分代码，让它更加简洁适用于笔记场景，合作编辑服务我们使用</a:t>
+            </a:r>
+            <a:r>
+              <a:rPr kumimoji="1" lang="en-US" altLang="zh-CN" dirty="0" err="1" smtClean="0"/>
+              <a:t>websocket</a:t>
+            </a:r>
+            <a:r>
+              <a:rPr kumimoji="1" lang="zh-CN" altLang="en-US" dirty="0" smtClean="0"/>
+              <a:t>实现了同一个工作组里的人的即时通讯，多人同时编辑的实现是将多人不同的编辑内容存为不同的版本，放在数据库里，可以看到，</a:t>
+            </a:r>
+            <a:r>
+              <a:rPr kumimoji="1" lang="en-US" altLang="zh-CN" dirty="0" smtClean="0"/>
+              <a:t>merge</a:t>
+            </a:r>
+            <a:r>
+              <a:rPr kumimoji="1" lang="zh-CN" altLang="en-US" dirty="0" smtClean="0"/>
+              <a:t>是只能手动来</a:t>
+            </a:r>
+            <a:r>
+              <a:rPr kumimoji="1" lang="en-US" altLang="zh-CN" dirty="0" smtClean="0"/>
+              <a:t>merge</a:t>
+            </a:r>
+            <a:r>
+              <a:rPr kumimoji="1" lang="zh-CN" altLang="en-US" dirty="0" smtClean="0"/>
+              <a:t>，做不到</a:t>
+            </a:r>
+            <a:r>
+              <a:rPr kumimoji="1" lang="en-US" altLang="zh-CN" dirty="0" smtClean="0"/>
+              <a:t>git</a:t>
+            </a:r>
+            <a:r>
+              <a:rPr kumimoji="1" lang="zh-CN" altLang="en-US" dirty="0" smtClean="0"/>
+              <a:t>自动</a:t>
+            </a:r>
+            <a:r>
+              <a:rPr kumimoji="1" lang="en-US" altLang="zh-CN" dirty="0" smtClean="0"/>
+              <a:t>merge</a:t>
+            </a:r>
+            <a:r>
+              <a:rPr kumimoji="1" lang="zh-CN" altLang="en-US" dirty="0" smtClean="0"/>
+              <a:t>标记冲突点。</a:t>
+            </a:r>
+          </a:p>
+          <a:p>
+            <a:r>
+              <a:rPr kumimoji="1" lang="zh-CN" altLang="en-US" dirty="0" smtClean="0"/>
+              <a:t>这里这个支付服务因为支付宝的。。。</a:t>
+            </a:r>
+          </a:p>
+          <a:p>
+            <a:endParaRPr kumimoji="1" lang="zh-CN" altLang="en-US" dirty="0"/>
+          </a:p>
+        </p:txBody>
+      </p:sp>
+      <p:sp>
+        <p:nvSpPr>
+          <p:cNvPr id="4" name="幻灯片编号占位符 3"/>
+          <p:cNvSpPr>
+            <a:spLocks noGrp="1"/>
+          </p:cNvSpPr>
+          <p:nvPr>
+            <p:ph type="sldNum" sz="quarter" idx="10"/>
+          </p:nvPr>
+        </p:nvSpPr>
+        <p:spPr/>
+        <p:txBody>
+          <a:bodyPr/>
+          <a:lstStyle/>
+          <a:p>
+            <a:fld id="{F0BC0C7B-567D-6246-BD66-13A06AA898CC}" type="slidenum">
+              <a:rPr kumimoji="1" lang="zh-CN" altLang="en-US" smtClean="0"/>
+              <a:t>8</a:t>
+            </a:fld>
+            <a:endParaRPr kumimoji="1" lang="zh-CN" altLang="en-US"/>
+          </a:p>
+        </p:txBody>
+      </p:sp>
+    </p:spTree>
+    <p:extLst>
+      <p:ext uri="{BB962C8B-B14F-4D97-AF65-F5344CB8AC3E}">
+        <p14:creationId xmlns:p14="http://schemas.microsoft.com/office/powerpoint/2010/main" val="240078137"/>
+      </p:ext>
+    </p:extLst>
+  </p:cSld>
+  <p:clrMapOvr>
+    <a:masterClrMapping/>
+  </p:clrMapOvr>
+</p:notes>
+</file>
+
+<file path=ppt/notesSlides/notesSlide5.xml><?xml version="1.0" encoding="utf-8"?>
+<p:notes xmlns:a="http://schemas.openxmlformats.org/drawingml/2006/main" xmlns:r="http://schemas.openxmlformats.org/officeDocument/2006/relationships" xmlns:p="http://schemas.openxmlformats.org/presentationml/2006/main">
+  <p:cSld>
+    <p:spTree>
+      <p:nvGrpSpPr>
+        <p:cNvPr id="1" name=""/>
+        <p:cNvGrpSpPr/>
+        <p:nvPr/>
+      </p:nvGrpSpPr>
+      <p:grpSpPr>
+        <a:xfrm>
+          <a:off x="0" y="0"/>
+          <a:ext cx="0" cy="0"/>
+          <a:chOff x="0" y="0"/>
+          <a:chExt cx="0" cy="0"/>
+        </a:xfrm>
+      </p:grpSpPr>
+      <p:sp>
+        <p:nvSpPr>
+          <p:cNvPr id="2" name="幻灯片图像占位符 1"/>
+          <p:cNvSpPr>
+            <a:spLocks noGrp="1" noRot="1" noChangeAspect="1"/>
+          </p:cNvSpPr>
+          <p:nvPr>
+            <p:ph type="sldImg"/>
+          </p:nvPr>
+        </p:nvSpPr>
+        <p:spPr/>
+      </p:sp>
+      <p:sp>
+        <p:nvSpPr>
+          <p:cNvPr id="3" name="备注占位符 2"/>
+          <p:cNvSpPr>
+            <a:spLocks noGrp="1"/>
+          </p:cNvSpPr>
+          <p:nvPr>
+            <p:ph type="body" idx="1"/>
+          </p:nvPr>
+        </p:nvSpPr>
+        <p:spPr/>
+        <p:txBody>
+          <a:bodyPr/>
+          <a:lstStyle/>
+          <a:p>
+            <a:endParaRPr kumimoji="1" lang="zh-CN" altLang="en-US" dirty="0"/>
+          </a:p>
+        </p:txBody>
+      </p:sp>
+      <p:sp>
+        <p:nvSpPr>
+          <p:cNvPr id="4" name="幻灯片编号占位符 3"/>
+          <p:cNvSpPr>
+            <a:spLocks noGrp="1"/>
+          </p:cNvSpPr>
+          <p:nvPr>
+            <p:ph type="sldNum" sz="quarter" idx="10"/>
+          </p:nvPr>
+        </p:nvSpPr>
+        <p:spPr/>
+        <p:txBody>
+          <a:bodyPr/>
+          <a:lstStyle/>
+          <a:p>
+            <a:fld id="{F0BC0C7B-567D-6246-BD66-13A06AA898CC}" type="slidenum">
+              <a:rPr kumimoji="1" lang="zh-CN" altLang="en-US" smtClean="0"/>
+              <a:t>10</a:t>
+            </a:fld>
+            <a:endParaRPr kumimoji="1" lang="zh-CN" altLang="en-US"/>
+          </a:p>
+        </p:txBody>
+      </p:sp>
+    </p:spTree>
+    <p:extLst>
+      <p:ext uri="{BB962C8B-B14F-4D97-AF65-F5344CB8AC3E}">
+        <p14:creationId xmlns:p14="http://schemas.microsoft.com/office/powerpoint/2010/main" val="1454264689"/>
+      </p:ext>
+    </p:extLst>
+  </p:cSld>
+  <p:clrMapOvr>
+    <a:masterClrMapping/>
+  </p:clrMapOvr>
+</p:notes>
+</file>
+
+<file path=ppt/notesSlides/notesSlide6.xml><?xml version="1.0" encoding="utf-8"?>
+<p:notes xmlns:a="http://schemas.openxmlformats.org/drawingml/2006/main" xmlns:r="http://schemas.openxmlformats.org/officeDocument/2006/relationships" xmlns:p="http://schemas.openxmlformats.org/presentationml/2006/main">
+  <p:cSld>
+    <p:spTree>
+      <p:nvGrpSpPr>
+        <p:cNvPr id="1" name=""/>
+        <p:cNvGrpSpPr/>
+        <p:nvPr/>
+      </p:nvGrpSpPr>
+      <p:grpSpPr>
+        <a:xfrm>
+          <a:off x="0" y="0"/>
+          <a:ext cx="0" cy="0"/>
+          <a:chOff x="0" y="0"/>
+          <a:chExt cx="0" cy="0"/>
+        </a:xfrm>
+      </p:grpSpPr>
+      <p:sp>
+        <p:nvSpPr>
+          <p:cNvPr id="2" name="幻灯片图像占位符 1"/>
+          <p:cNvSpPr>
+            <a:spLocks noGrp="1" noRot="1" noChangeAspect="1"/>
+          </p:cNvSpPr>
+          <p:nvPr>
+            <p:ph type="sldImg"/>
+          </p:nvPr>
+        </p:nvSpPr>
+        <p:spPr/>
+      </p:sp>
+      <p:sp>
+        <p:nvSpPr>
+          <p:cNvPr id="3" name="备注占位符 2"/>
+          <p:cNvSpPr>
+            <a:spLocks noGrp="1"/>
+          </p:cNvSpPr>
+          <p:nvPr>
+            <p:ph type="body" idx="1"/>
+          </p:nvPr>
+        </p:nvSpPr>
+        <p:spPr/>
+        <p:txBody>
+          <a:bodyPr/>
+          <a:lstStyle/>
+          <a:p>
+            <a:r>
+              <a:rPr kumimoji="1" lang="zh-CN" altLang="en-US" dirty="0" smtClean="0"/>
+              <a:t>使用门槛低于</a:t>
+            </a:r>
+            <a:r>
+              <a:rPr kumimoji="1" lang="en-US" altLang="zh-CN" dirty="0" smtClean="0"/>
+              <a:t>GitHub</a:t>
+            </a:r>
+            <a:r>
+              <a:rPr kumimoji="1" lang="zh-CN" altLang="en-US" dirty="0" smtClean="0"/>
+              <a:t>，不需要有繁杂的版本控制的线，都在同一条历史提交记录的线上，上手比较容易。</a:t>
+            </a:r>
+          </a:p>
+          <a:p>
+            <a:r>
+              <a:rPr kumimoji="1" lang="zh-CN" altLang="en-US" dirty="0" smtClean="0"/>
+              <a:t>社区属性，是相比于其他专门做笔记的工具类</a:t>
+            </a:r>
+            <a:r>
+              <a:rPr kumimoji="1" lang="en-US" altLang="zh-CN" dirty="0" smtClean="0"/>
+              <a:t>App</a:t>
+            </a:r>
+            <a:r>
+              <a:rPr kumimoji="1" lang="zh-CN" altLang="en-US" dirty="0" smtClean="0"/>
+              <a:t>最大的特色，记笔记的应用相对而言比较封闭，即使是分享也是在很小范围的，我们希望自己的产品是能够在比较大的范围上分享笔记</a:t>
+            </a:r>
+          </a:p>
+          <a:p>
+            <a:r>
+              <a:rPr kumimoji="1" lang="zh-CN" altLang="en-US" dirty="0" smtClean="0"/>
+              <a:t>最后是我们的协作功能，让用户有一个</a:t>
+            </a:r>
+            <a:r>
+              <a:rPr kumimoji="1" lang="en-US" altLang="zh-CN" dirty="0" smtClean="0"/>
+              <a:t>web</a:t>
+            </a:r>
+            <a:r>
+              <a:rPr kumimoji="1" lang="zh-CN" altLang="en-US" dirty="0" smtClean="0"/>
+              <a:t>平台使用键盘来协作编辑笔记</a:t>
+            </a:r>
+          </a:p>
+        </p:txBody>
+      </p:sp>
+      <p:sp>
+        <p:nvSpPr>
+          <p:cNvPr id="4" name="幻灯片编号占位符 3"/>
+          <p:cNvSpPr>
+            <a:spLocks noGrp="1"/>
+          </p:cNvSpPr>
+          <p:nvPr>
+            <p:ph type="sldNum" sz="quarter" idx="10"/>
+          </p:nvPr>
+        </p:nvSpPr>
+        <p:spPr/>
+        <p:txBody>
+          <a:bodyPr/>
+          <a:lstStyle/>
+          <a:p>
+            <a:fld id="{F0BC0C7B-567D-6246-BD66-13A06AA898CC}" type="slidenum">
+              <a:rPr kumimoji="1" lang="zh-CN" altLang="en-US" smtClean="0"/>
+              <a:t>12</a:t>
+            </a:fld>
+            <a:endParaRPr kumimoji="1" lang="zh-CN" altLang="en-US"/>
+          </a:p>
+        </p:txBody>
+      </p:sp>
+    </p:spTree>
+    <p:extLst>
+      <p:ext uri="{BB962C8B-B14F-4D97-AF65-F5344CB8AC3E}">
+        <p14:creationId xmlns:p14="http://schemas.microsoft.com/office/powerpoint/2010/main" val="1315241516"/>
       </p:ext>
     </p:extLst>
   </p:cSld>
@@ -28473,7 +28909,18 @@
                   </a:schemeClr>
                 </a:solidFill>
               </a:rPr>
-              <a:t>分享协作</a:t>
+              <a:t>协作</a:t>
+            </a:r>
+            <a:r>
+              <a:rPr lang="zh-CN" altLang="en-US" sz="2000" b="1" dirty="0" smtClean="0">
+                <a:solidFill>
+                  <a:schemeClr val="accent4">
+                    <a:lumMod val="60000"/>
+                    <a:lumOff val="40000"/>
+                  </a:schemeClr>
+                </a:solidFill>
+              </a:rPr>
+              <a:t>功能</a:t>
             </a:r>
             <a:endParaRPr lang="en-US" altLang="zh-CN" sz="2000" b="1" dirty="0">
               <a:solidFill>
@@ -36325,7 +36772,7 @@
         <p:spPr>
           <a:xfrm>
             <a:off x="8915040" y="3498542"/>
-            <a:ext cx="1210588" cy="492443"/>
+            <a:ext cx="697627" cy="492443"/>
           </a:xfrm>
           <a:prstGeom prst="rect">
             <a:avLst/>
@@ -36348,7 +36795,7 @@
                   <a:schemeClr val="accent2"/>
                 </a:solidFill>
               </a:rPr>
-              <a:t>普通用户</a:t>
+              <a:t>读者</a:t>
             </a:r>
             <a:endParaRPr lang="en-US" altLang="zh-CN" sz="2000" b="1" dirty="0">
               <a:solidFill>
@@ -37508,7 +37955,7 @@
           <p:nvPr/>
         </p:nvPicPr>
         <p:blipFill>
-          <a:blip r:embed="rId2"/>
+          <a:blip r:embed="rId3"/>
           <a:stretch>
             <a:fillRect/>
           </a:stretch>
@@ -37784,7 +38231,7 @@
           <p:nvPr/>
         </p:nvPicPr>
         <p:blipFill>
-          <a:blip r:embed="rId3">
+          <a:blip r:embed="rId4">
             <a:extLst>
               <a:ext uri="{28A0092B-C50C-407E-A947-70E740481C1C}">
                 <a14:useLocalDpi xmlns:a14="http://schemas.microsoft.com/office/drawing/2010/main" val="0"/>

--- a/doc/答辩PPT.pptx
+++ b/doc/答辩PPT.pptx
@@ -608,6 +608,38 @@
               </a:rPr>
               <a:t>。</a:t>
             </a:r>
+            <a:endParaRPr lang="en-US" altLang="zh-CN" sz="1200" kern="1200" dirty="0" smtClean="0">
+              <a:solidFill>
+                <a:schemeClr val="tx1"/>
+              </a:solidFill>
+              <a:effectLst/>
+              <a:latin typeface="+mn-lt"/>
+              <a:ea typeface="+mn-ea"/>
+              <a:cs typeface="+mn-cs"/>
+            </a:endParaRPr>
+          </a:p>
+          <a:p>
+            <a:r>
+              <a:rPr lang="zh-CN" altLang="en-US" sz="1200" kern="1200" dirty="0" smtClean="0">
+                <a:solidFill>
+                  <a:schemeClr val="tx1"/>
+                </a:solidFill>
+                <a:effectLst/>
+                <a:latin typeface="+mn-lt"/>
+                <a:ea typeface="+mn-ea"/>
+                <a:cs typeface="+mn-cs"/>
+              </a:rPr>
+              <a:t>（说一下协作笔记）</a:t>
+            </a:r>
+            <a:endParaRPr lang="zh-CN" altLang="en-US" sz="1200" kern="1200" dirty="0" smtClean="0">
+              <a:solidFill>
+                <a:schemeClr val="tx1"/>
+              </a:solidFill>
+              <a:effectLst/>
+              <a:latin typeface="+mn-lt"/>
+              <a:ea typeface="+mn-ea"/>
+              <a:cs typeface="+mn-cs"/>
+            </a:endParaRPr>
           </a:p>
           <a:p>
             <a:pPr marL="0" marR="0" indent="0" algn="l" defTabSz="914400" rtl="0" eaLnBrk="1" fontAlgn="auto" latinLnBrk="0" hangingPunct="1">
@@ -1104,6 +1136,29 @@
               <a:t>，里</a:t>
             </a:r>
             <a:r>
+              <a:rPr kumimoji="1" lang="zh-CN" altLang="en-US" dirty="0" smtClean="0"/>
+              <a:t>面存的主要是用户的基本信息比如密码，身份权限等，另外会保存用户和笔记本之间的关系，是拥有者，还是合作者。</a:t>
+            </a:r>
+          </a:p>
+          <a:p>
+            <a:pPr marL="0" marR="0" indent="0" algn="l" defTabSz="914400" rtl="0" eaLnBrk="1" fontAlgn="auto" latinLnBrk="0" hangingPunct="1">
+              <a:lnSpc>
+                <a:spcPct val="100000"/>
+              </a:lnSpc>
+              <a:spcBef>
+                <a:spcPts val="0"/>
+              </a:spcBef>
+              <a:spcAft>
+                <a:spcPts val="0"/>
+              </a:spcAft>
+              <a:buClrTx/>
+              <a:buSzTx/>
+              <a:buFontTx/>
+              <a:buNone/>
+              <a:tabLst/>
+              <a:defRPr/>
+            </a:pPr>
+            <a:r>
               <a:rPr kumimoji="1" lang="en-US" altLang="zh-CN" dirty="0" smtClean="0"/>
               <a:t>MongoDB</a:t>
             </a:r>
@@ -1126,12 +1181,6 @@
             <a:r>
               <a:rPr kumimoji="1" lang="zh-CN" altLang="en-US" dirty="0" smtClean="0"/>
               <a:t>，笔记中图片是以文件型数据的形式存储</a:t>
-            </a:r>
-          </a:p>
-          <a:p>
-            <a:r>
-              <a:rPr kumimoji="1" lang="zh-CN" altLang="en-US" dirty="0" smtClean="0"/>
-              <a:t>面存的主要是用户的基本信息比如密码，身份权限等，另外会保存用户和笔记本之间的关系，是拥有者，还是合作者。</a:t>
             </a:r>
           </a:p>
           <a:p>
@@ -27906,6 +27955,13 @@
       </p:transition>
     </mc:Fallback>
   </mc:AlternateContent>
+  <p:timing>
+    <p:tnLst>
+      <p:par>
+        <p:cTn id="1" dur="indefinite" restart="never" nodeType="tmRoot"/>
+      </p:par>
+    </p:tnLst>
+  </p:timing>
 </p:sld>
 </file>
 
@@ -34247,6 +34303,13 @@
       </p:transition>
     </mc:Fallback>
   </mc:AlternateContent>
+  <p:timing>
+    <p:tnLst>
+      <p:par>
+        <p:cTn id="1" dur="indefinite" restart="never" nodeType="tmRoot"/>
+      </p:par>
+    </p:tnLst>
+  </p:timing>
 </p:sld>
 </file>
 
@@ -34326,6 +34389,13 @@
       </p:transition>
     </mc:Fallback>
   </mc:AlternateContent>
+  <p:timing>
+    <p:tnLst>
+      <p:par>
+        <p:cTn id="1" dur="indefinite" restart="never" nodeType="tmRoot"/>
+      </p:par>
+    </p:tnLst>
+  </p:timing>
 </p:sld>
 </file>
 
